--- a/archive/2022年度　統計学関連/02_ch1_母集団と標本/統計学_ch1.pptx
+++ b/archive/2022年度　統計学関連/02_ch1_母集団と標本/統計学_ch1.pptx
@@ -244,7 +244,7 @@
           <a:p>
             <a:fld id="{1895A64F-7672-4A38-B12D-41B8FA3C90DE}" type="datetimeFigureOut">
               <a:rPr kumimoji="1" lang="ja-JP" altLang="en-US" smtClean="0"/>
-              <a:t>2021/9/13</a:t>
+              <a:t>2023/8/21</a:t>
             </a:fld>
             <a:endParaRPr kumimoji="1" lang="ja-JP" altLang="en-US"/>
           </a:p>
@@ -544,7 +544,7 @@
 </file>
 
 <file path=ppt/slideLayouts/slideLayout1.xml><?xml version="1.0" encoding="utf-8"?>
-<p:sldLayout xmlns:a="http://schemas.openxmlformats.org/drawingml/2006/main" xmlns:r="http://schemas.openxmlformats.org/officeDocument/2006/relationships" xmlns:p="http://schemas.openxmlformats.org/presentationml/2006/main" type="title" preserve="1">
+<p:sldLayout xmlns:a="http://schemas.openxmlformats.org/drawingml/2006/main" xmlns:r="http://schemas.openxmlformats.org/officeDocument/2006/relationships" xmlns:p="http://schemas.openxmlformats.org/presentationml/2006/main" showMasterSp="0" type="title" preserve="1">
   <p:cSld name="タイトル スライド">
     <p:spTree>
       <p:nvGrpSpPr>
@@ -798,7 +798,7 @@
 </file>
 
 <file path=ppt/slideLayouts/slideLayout10.xml><?xml version="1.0" encoding="utf-8"?>
-<p:sldLayout xmlns:a="http://schemas.openxmlformats.org/drawingml/2006/main" xmlns:r="http://schemas.openxmlformats.org/officeDocument/2006/relationships" xmlns:p="http://schemas.openxmlformats.org/presentationml/2006/main" type="picTx" preserve="1">
+<p:sldLayout xmlns:a="http://schemas.openxmlformats.org/drawingml/2006/main" xmlns:r="http://schemas.openxmlformats.org/officeDocument/2006/relationships" xmlns:p="http://schemas.openxmlformats.org/presentationml/2006/main" showMasterSp="0" type="picTx" preserve="1">
   <p:cSld name="タイトル付きの図">
     <p:spTree>
       <p:nvGrpSpPr>
@@ -1058,7 +1058,7 @@
 </file>
 
 <file path=ppt/slideLayouts/slideLayout2.xml><?xml version="1.0" encoding="utf-8"?>
-<p:sldLayout xmlns:a="http://schemas.openxmlformats.org/drawingml/2006/main" xmlns:r="http://schemas.openxmlformats.org/officeDocument/2006/relationships" xmlns:p="http://schemas.openxmlformats.org/presentationml/2006/main" preserve="1" userDrawn="1">
+<p:sldLayout xmlns:a="http://schemas.openxmlformats.org/drawingml/2006/main" xmlns:r="http://schemas.openxmlformats.org/officeDocument/2006/relationships" xmlns:p="http://schemas.openxmlformats.org/presentationml/2006/main" showMasterSp="0" preserve="1" userDrawn="1">
   <p:cSld name="タイトルとコンテンツ">
     <p:spTree>
       <p:nvGrpSpPr>
@@ -1397,7 +1397,7 @@
 </file>
 
 <file path=ppt/slideLayouts/slideLayout3.xml><?xml version="1.0" encoding="utf-8"?>
-<p:sldLayout xmlns:a="http://schemas.openxmlformats.org/drawingml/2006/main" xmlns:r="http://schemas.openxmlformats.org/officeDocument/2006/relationships" xmlns:p="http://schemas.openxmlformats.org/presentationml/2006/main" type="secHead" preserve="1">
+<p:sldLayout xmlns:a="http://schemas.openxmlformats.org/drawingml/2006/main" xmlns:r="http://schemas.openxmlformats.org/officeDocument/2006/relationships" xmlns:p="http://schemas.openxmlformats.org/presentationml/2006/main" showMasterSp="0" type="secHead" preserve="1">
   <p:cSld name="第x章">
     <p:spTree>
       <p:nvGrpSpPr>
@@ -1650,7 +1650,7 @@
 </file>
 
 <file path=ppt/slideLayouts/slideLayout4.xml><?xml version="1.0" encoding="utf-8"?>
-<p:sldLayout xmlns:a="http://schemas.openxmlformats.org/drawingml/2006/main" xmlns:r="http://schemas.openxmlformats.org/officeDocument/2006/relationships" xmlns:p="http://schemas.openxmlformats.org/presentationml/2006/main" preserve="1" userDrawn="1">
+<p:sldLayout xmlns:a="http://schemas.openxmlformats.org/drawingml/2006/main" xmlns:r="http://schemas.openxmlformats.org/officeDocument/2006/relationships" xmlns:p="http://schemas.openxmlformats.org/presentationml/2006/main" showMasterSp="0" preserve="1" userDrawn="1">
   <p:cSld name="セクション">
     <p:spTree>
       <p:nvGrpSpPr>
@@ -1784,7 +1784,7 @@
 </file>
 
 <file path=ppt/slideLayouts/slideLayout5.xml><?xml version="1.0" encoding="utf-8"?>
-<p:sldLayout xmlns:a="http://schemas.openxmlformats.org/drawingml/2006/main" xmlns:r="http://schemas.openxmlformats.org/officeDocument/2006/relationships" xmlns:p="http://schemas.openxmlformats.org/presentationml/2006/main" preserve="1" userDrawn="1">
+<p:sldLayout xmlns:a="http://schemas.openxmlformats.org/drawingml/2006/main" xmlns:r="http://schemas.openxmlformats.org/officeDocument/2006/relationships" xmlns:p="http://schemas.openxmlformats.org/presentationml/2006/main" showMasterSp="0" preserve="1" userDrawn="1">
   <p:cSld name="（x）">
     <p:spTree>
       <p:nvGrpSpPr>
@@ -2006,7 +2006,7 @@
 </file>
 
 <file path=ppt/slideLayouts/slideLayout6.xml><?xml version="1.0" encoding="utf-8"?>
-<p:sldLayout xmlns:a="http://schemas.openxmlformats.org/drawingml/2006/main" xmlns:r="http://schemas.openxmlformats.org/officeDocument/2006/relationships" xmlns:p="http://schemas.openxmlformats.org/presentationml/2006/main" preserve="1" userDrawn="1">
+<p:sldLayout xmlns:a="http://schemas.openxmlformats.org/drawingml/2006/main" xmlns:r="http://schemas.openxmlformats.org/officeDocument/2006/relationships" xmlns:p="http://schemas.openxmlformats.org/presentationml/2006/main" showMasterSp="0" preserve="1" userDrawn="1">
   <p:cSld name="比較">
     <p:spTree>
       <p:nvGrpSpPr>
@@ -2653,7 +2653,7 @@
 </file>
 
 <file path=ppt/slideLayouts/slideLayout7.xml><?xml version="1.0" encoding="utf-8"?>
-<p:sldLayout xmlns:a="http://schemas.openxmlformats.org/drawingml/2006/main" xmlns:r="http://schemas.openxmlformats.org/officeDocument/2006/relationships" xmlns:p="http://schemas.openxmlformats.org/presentationml/2006/main" type="titleOnly" preserve="1">
+<p:sldLayout xmlns:a="http://schemas.openxmlformats.org/drawingml/2006/main" xmlns:r="http://schemas.openxmlformats.org/officeDocument/2006/relationships" xmlns:p="http://schemas.openxmlformats.org/presentationml/2006/main" showMasterSp="0" type="titleOnly" preserve="1">
   <p:cSld name="タイトルのみ">
     <p:spTree>
       <p:nvGrpSpPr>
@@ -2778,7 +2778,7 @@
 </file>
 
 <file path=ppt/slideLayouts/slideLayout8.xml><?xml version="1.0" encoding="utf-8"?>
-<p:sldLayout xmlns:a="http://schemas.openxmlformats.org/drawingml/2006/main" xmlns:r="http://schemas.openxmlformats.org/officeDocument/2006/relationships" xmlns:p="http://schemas.openxmlformats.org/presentationml/2006/main" type="blank" preserve="1">
+<p:sldLayout xmlns:a="http://schemas.openxmlformats.org/drawingml/2006/main" xmlns:r="http://schemas.openxmlformats.org/officeDocument/2006/relationships" xmlns:p="http://schemas.openxmlformats.org/presentationml/2006/main" showMasterSp="0" type="blank" preserve="1">
   <p:cSld name="白紙">
     <p:spTree>
       <p:nvGrpSpPr>
@@ -2881,7 +2881,7 @@
 </file>
 
 <file path=ppt/slideLayouts/slideLayout9.xml><?xml version="1.0" encoding="utf-8"?>
-<p:sldLayout xmlns:a="http://schemas.openxmlformats.org/drawingml/2006/main" xmlns:r="http://schemas.openxmlformats.org/officeDocument/2006/relationships" xmlns:p="http://schemas.openxmlformats.org/presentationml/2006/main" type="objTx" preserve="1">
+<p:sldLayout xmlns:a="http://schemas.openxmlformats.org/drawingml/2006/main" xmlns:r="http://schemas.openxmlformats.org/officeDocument/2006/relationships" xmlns:p="http://schemas.openxmlformats.org/presentationml/2006/main" showMasterSp="0" type="objTx" preserve="1">
   <p:cSld name="タイトル付きの&#10;コンテンツ">
     <p:spTree>
       <p:nvGrpSpPr>
@@ -3830,7 +3830,7 @@
 </file>
 
 <file path=ppt/slides/slide1.xml><?xml version="1.0" encoding="utf-8"?>
-<p:sld xmlns:a="http://schemas.openxmlformats.org/drawingml/2006/main" xmlns:r="http://schemas.openxmlformats.org/officeDocument/2006/relationships" xmlns:p="http://schemas.openxmlformats.org/presentationml/2006/main">
+<p:sld xmlns:a="http://schemas.openxmlformats.org/drawingml/2006/main" xmlns:r="http://schemas.openxmlformats.org/officeDocument/2006/relationships" xmlns:p="http://schemas.openxmlformats.org/presentationml/2006/main" showMasterSp="0">
   <p:cSld>
     <p:spTree>
       <p:nvGrpSpPr>
@@ -3949,7 +3949,7 @@
 </file>
 
 <file path=ppt/slides/slide10.xml><?xml version="1.0" encoding="utf-8"?>
-<p:sld xmlns:a="http://schemas.openxmlformats.org/drawingml/2006/main" xmlns:r="http://schemas.openxmlformats.org/officeDocument/2006/relationships" xmlns:p="http://schemas.openxmlformats.org/presentationml/2006/main">
+<p:sld xmlns:a="http://schemas.openxmlformats.org/drawingml/2006/main" xmlns:r="http://schemas.openxmlformats.org/officeDocument/2006/relationships" xmlns:p="http://schemas.openxmlformats.org/presentationml/2006/main" showMasterSp="0">
   <p:cSld>
     <p:spTree>
       <p:nvGrpSpPr>
@@ -4537,35 +4537,6 @@
           </a:p>
         </p:txBody>
       </p:sp>
-      <p:sp>
-        <p:nvSpPr>
-          <p:cNvPr id="3" name="スライド番号プレースホルダー 2">
-            <a:extLst>
-              <a:ext uri="{FF2B5EF4-FFF2-40B4-BE49-F238E27FC236}">
-                <a16:creationId xmlns:a16="http://schemas.microsoft.com/office/drawing/2014/main" id="{87DC27FF-1C20-49F2-9A5F-0F3BCB2454A5}"/>
-              </a:ext>
-            </a:extLst>
-          </p:cNvPr>
-          <p:cNvSpPr>
-            <a:spLocks noGrp="1"/>
-          </p:cNvSpPr>
-          <p:nvPr>
-            <p:ph type="sldNum" sz="quarter" idx="12"/>
-          </p:nvPr>
-        </p:nvSpPr>
-        <p:spPr/>
-        <p:txBody>
-          <a:bodyPr/>
-          <a:lstStyle/>
-          <a:p>
-            <a:fld id="{83E4BC44-1CD2-4666-A5F4-A286043144FC}" type="slidenum">
-              <a:rPr kumimoji="1" lang="ja-JP" altLang="en-US" smtClean="0"/>
-              <a:t>10</a:t>
-            </a:fld>
-            <a:endParaRPr kumimoji="1" lang="ja-JP" altLang="en-US"/>
-          </a:p>
-        </p:txBody>
-      </p:sp>
     </p:spTree>
     <p:extLst>
       <p:ext uri="{BB962C8B-B14F-4D97-AF65-F5344CB8AC3E}">
@@ -4580,7 +4551,7 @@
 </file>
 
 <file path=ppt/slides/slide11.xml><?xml version="1.0" encoding="utf-8"?>
-<p:sld xmlns:a="http://schemas.openxmlformats.org/drawingml/2006/main" xmlns:r="http://schemas.openxmlformats.org/officeDocument/2006/relationships" xmlns:p="http://schemas.openxmlformats.org/presentationml/2006/main">
+<p:sld xmlns:a="http://schemas.openxmlformats.org/drawingml/2006/main" xmlns:r="http://schemas.openxmlformats.org/officeDocument/2006/relationships" xmlns:p="http://schemas.openxmlformats.org/presentationml/2006/main" showMasterSp="0">
   <p:cSld>
     <p:spTree>
       <p:nvGrpSpPr>
@@ -4932,13 +4903,13 @@
         </p:nvSpPr>
         <p:spPr>
           <a:xfrm>
-            <a:off x="827584" y="260648"/>
+            <a:off x="1979712" y="813589"/>
             <a:ext cx="3888432" cy="1152128"/>
           </a:xfrm>
           <a:prstGeom prst="wedgeRoundRectCallout">
             <a:avLst>
-              <a:gd name="adj1" fmla="val 103764"/>
-              <a:gd name="adj2" fmla="val 99223"/>
+              <a:gd name="adj1" fmla="val 67858"/>
+              <a:gd name="adj2" fmla="val 58260"/>
               <a:gd name="adj3" fmla="val 16667"/>
             </a:avLst>
           </a:prstGeom>
@@ -5098,35 +5069,6 @@
           </a:p>
         </p:txBody>
       </p:sp>
-      <p:sp>
-        <p:nvSpPr>
-          <p:cNvPr id="3" name="スライド番号プレースホルダー 2">
-            <a:extLst>
-              <a:ext uri="{FF2B5EF4-FFF2-40B4-BE49-F238E27FC236}">
-                <a16:creationId xmlns:a16="http://schemas.microsoft.com/office/drawing/2014/main" id="{8A8ACC6B-7F40-4A18-A84C-8CF536716AE0}"/>
-              </a:ext>
-            </a:extLst>
-          </p:cNvPr>
-          <p:cNvSpPr>
-            <a:spLocks noGrp="1"/>
-          </p:cNvSpPr>
-          <p:nvPr>
-            <p:ph type="sldNum" sz="quarter" idx="12"/>
-          </p:nvPr>
-        </p:nvSpPr>
-        <p:spPr/>
-        <p:txBody>
-          <a:bodyPr/>
-          <a:lstStyle/>
-          <a:p>
-            <a:fld id="{83E4BC44-1CD2-4666-A5F4-A286043144FC}" type="slidenum">
-              <a:rPr kumimoji="1" lang="ja-JP" altLang="en-US" smtClean="0"/>
-              <a:t>11</a:t>
-            </a:fld>
-            <a:endParaRPr kumimoji="1" lang="ja-JP" altLang="en-US"/>
-          </a:p>
-        </p:txBody>
-      </p:sp>
     </p:spTree>
     <p:extLst>
       <p:ext uri="{BB962C8B-B14F-4D97-AF65-F5344CB8AC3E}">
@@ -5141,7 +5083,7 @@
 </file>
 
 <file path=ppt/slides/slide12.xml><?xml version="1.0" encoding="utf-8"?>
-<p:sld xmlns:a="http://schemas.openxmlformats.org/drawingml/2006/main" xmlns:r="http://schemas.openxmlformats.org/officeDocument/2006/relationships" xmlns:p="http://schemas.openxmlformats.org/presentationml/2006/main">
+<p:sld xmlns:a="http://schemas.openxmlformats.org/drawingml/2006/main" xmlns:r="http://schemas.openxmlformats.org/officeDocument/2006/relationships" xmlns:p="http://schemas.openxmlformats.org/presentationml/2006/main" showMasterSp="0">
   <p:cSld>
     <p:spTree>
       <p:nvGrpSpPr>
@@ -5410,7 +5352,7 @@
 </file>
 
 <file path=ppt/slides/slide13.xml><?xml version="1.0" encoding="utf-8"?>
-<p:sld xmlns:a="http://schemas.openxmlformats.org/drawingml/2006/main" xmlns:r="http://schemas.openxmlformats.org/officeDocument/2006/relationships" xmlns:p="http://schemas.openxmlformats.org/presentationml/2006/main">
+<p:sld xmlns:a="http://schemas.openxmlformats.org/drawingml/2006/main" xmlns:r="http://schemas.openxmlformats.org/officeDocument/2006/relationships" xmlns:p="http://schemas.openxmlformats.org/presentationml/2006/main" showMasterSp="0">
   <p:cSld>
     <p:spTree>
       <p:nvGrpSpPr>
@@ -5793,7 +5735,7 @@
 </file>
 
 <file path=ppt/slides/slide14.xml><?xml version="1.0" encoding="utf-8"?>
-<p:sld xmlns:a="http://schemas.openxmlformats.org/drawingml/2006/main" xmlns:r="http://schemas.openxmlformats.org/officeDocument/2006/relationships" xmlns:p="http://schemas.openxmlformats.org/presentationml/2006/main">
+<p:sld xmlns:a="http://schemas.openxmlformats.org/drawingml/2006/main" xmlns:r="http://schemas.openxmlformats.org/officeDocument/2006/relationships" xmlns:p="http://schemas.openxmlformats.org/presentationml/2006/main" showMasterSp="0">
   <p:cSld>
     <p:spTree>
       <p:nvGrpSpPr>
@@ -6238,7 +6180,7 @@
 </file>
 
 <file path=ppt/slides/slide15.xml><?xml version="1.0" encoding="utf-8"?>
-<p:sld xmlns:a="http://schemas.openxmlformats.org/drawingml/2006/main" xmlns:r="http://schemas.openxmlformats.org/officeDocument/2006/relationships" xmlns:p="http://schemas.openxmlformats.org/presentationml/2006/main">
+<p:sld xmlns:a="http://schemas.openxmlformats.org/drawingml/2006/main" xmlns:r="http://schemas.openxmlformats.org/officeDocument/2006/relationships" xmlns:p="http://schemas.openxmlformats.org/presentationml/2006/main" showMasterSp="0">
   <p:cSld>
     <p:spTree>
       <p:nvGrpSpPr>
@@ -6319,7 +6261,7 @@
 </file>
 
 <file path=ppt/slides/slide16.xml><?xml version="1.0" encoding="utf-8"?>
-<p:sld xmlns:a="http://schemas.openxmlformats.org/drawingml/2006/main" xmlns:r="http://schemas.openxmlformats.org/officeDocument/2006/relationships" xmlns:p="http://schemas.openxmlformats.org/presentationml/2006/main">
+<p:sld xmlns:a="http://schemas.openxmlformats.org/drawingml/2006/main" xmlns:r="http://schemas.openxmlformats.org/officeDocument/2006/relationships" xmlns:p="http://schemas.openxmlformats.org/presentationml/2006/main" showMasterSp="0">
   <p:cSld>
     <p:spTree>
       <p:nvGrpSpPr>
@@ -6597,7 +6539,7 @@
 </file>
 
 <file path=ppt/slides/slide17.xml><?xml version="1.0" encoding="utf-8"?>
-<p:sld xmlns:a="http://schemas.openxmlformats.org/drawingml/2006/main" xmlns:r="http://schemas.openxmlformats.org/officeDocument/2006/relationships" xmlns:p="http://schemas.openxmlformats.org/presentationml/2006/main">
+<p:sld xmlns:a="http://schemas.openxmlformats.org/drawingml/2006/main" xmlns:r="http://schemas.openxmlformats.org/officeDocument/2006/relationships" xmlns:p="http://schemas.openxmlformats.org/presentationml/2006/main" showMasterSp="0">
   <p:cSld>
     <p:spTree>
       <p:nvGrpSpPr>
@@ -7112,7 +7054,7 @@
 </file>
 
 <file path=ppt/slides/slide18.xml><?xml version="1.0" encoding="utf-8"?>
-<p:sld xmlns:a="http://schemas.openxmlformats.org/drawingml/2006/main" xmlns:r="http://schemas.openxmlformats.org/officeDocument/2006/relationships" xmlns:p="http://schemas.openxmlformats.org/presentationml/2006/main">
+<p:sld xmlns:a="http://schemas.openxmlformats.org/drawingml/2006/main" xmlns:r="http://schemas.openxmlformats.org/officeDocument/2006/relationships" xmlns:p="http://schemas.openxmlformats.org/presentationml/2006/main" showMasterSp="0">
   <p:cSld>
     <p:spTree>
       <p:nvGrpSpPr>
@@ -7916,7 +7858,7 @@
 </file>
 
 <file path=ppt/slides/slide19.xml><?xml version="1.0" encoding="utf-8"?>
-<p:sld xmlns:a="http://schemas.openxmlformats.org/drawingml/2006/main" xmlns:r="http://schemas.openxmlformats.org/officeDocument/2006/relationships" xmlns:p="http://schemas.openxmlformats.org/presentationml/2006/main">
+<p:sld xmlns:a="http://schemas.openxmlformats.org/drawingml/2006/main" xmlns:r="http://schemas.openxmlformats.org/officeDocument/2006/relationships" xmlns:p="http://schemas.openxmlformats.org/presentationml/2006/main" showMasterSp="0">
   <p:cSld>
     <p:spTree>
       <p:nvGrpSpPr>
@@ -8502,7 +8444,7 @@
 </file>
 
 <file path=ppt/slides/slide2.xml><?xml version="1.0" encoding="utf-8"?>
-<p:sld xmlns:a="http://schemas.openxmlformats.org/drawingml/2006/main" xmlns:r="http://schemas.openxmlformats.org/officeDocument/2006/relationships" xmlns:p="http://schemas.openxmlformats.org/presentationml/2006/main">
+<p:sld xmlns:a="http://schemas.openxmlformats.org/drawingml/2006/main" xmlns:r="http://schemas.openxmlformats.org/officeDocument/2006/relationships" xmlns:p="http://schemas.openxmlformats.org/presentationml/2006/main" showMasterSp="0">
   <p:cSld>
     <p:spTree>
       <p:nvGrpSpPr>
@@ -8584,7 +8526,7 @@
 </file>
 
 <file path=ppt/slides/slide20.xml><?xml version="1.0" encoding="utf-8"?>
-<p:sld xmlns:a="http://schemas.openxmlformats.org/drawingml/2006/main" xmlns:r="http://schemas.openxmlformats.org/officeDocument/2006/relationships" xmlns:p="http://schemas.openxmlformats.org/presentationml/2006/main">
+<p:sld xmlns:a="http://schemas.openxmlformats.org/drawingml/2006/main" xmlns:r="http://schemas.openxmlformats.org/officeDocument/2006/relationships" xmlns:p="http://schemas.openxmlformats.org/presentationml/2006/main" showMasterSp="0">
   <p:cSld>
     <p:spTree>
       <p:nvGrpSpPr>
@@ -9099,7 +9041,7 @@
 </file>
 
 <file path=ppt/slides/slide21.xml><?xml version="1.0" encoding="utf-8"?>
-<p:sld xmlns:a="http://schemas.openxmlformats.org/drawingml/2006/main" xmlns:r="http://schemas.openxmlformats.org/officeDocument/2006/relationships" xmlns:p="http://schemas.openxmlformats.org/presentationml/2006/main">
+<p:sld xmlns:a="http://schemas.openxmlformats.org/drawingml/2006/main" xmlns:r="http://schemas.openxmlformats.org/officeDocument/2006/relationships" xmlns:p="http://schemas.openxmlformats.org/presentationml/2006/main" showMasterSp="0">
   <p:cSld>
     <p:spTree>
       <p:nvGrpSpPr>
@@ -9826,7 +9768,7 @@
 </file>
 
 <file path=ppt/slides/slide22.xml><?xml version="1.0" encoding="utf-8"?>
-<p:sld xmlns:a="http://schemas.openxmlformats.org/drawingml/2006/main" xmlns:r="http://schemas.openxmlformats.org/officeDocument/2006/relationships" xmlns:p="http://schemas.openxmlformats.org/presentationml/2006/main">
+<p:sld xmlns:a="http://schemas.openxmlformats.org/drawingml/2006/main" xmlns:r="http://schemas.openxmlformats.org/officeDocument/2006/relationships" xmlns:p="http://schemas.openxmlformats.org/presentationml/2006/main" showMasterSp="0">
   <p:cSld>
     <p:spTree>
       <p:nvGrpSpPr>
@@ -10501,7 +10443,7 @@
 </file>
 
 <file path=ppt/slides/slide23.xml><?xml version="1.0" encoding="utf-8"?>
-<p:sld xmlns:a="http://schemas.openxmlformats.org/drawingml/2006/main" xmlns:r="http://schemas.openxmlformats.org/officeDocument/2006/relationships" xmlns:p="http://schemas.openxmlformats.org/presentationml/2006/main">
+<p:sld xmlns:a="http://schemas.openxmlformats.org/drawingml/2006/main" xmlns:r="http://schemas.openxmlformats.org/officeDocument/2006/relationships" xmlns:p="http://schemas.openxmlformats.org/presentationml/2006/main" showMasterSp="0">
   <p:cSld>
     <p:spTree>
       <p:nvGrpSpPr>
@@ -10582,7 +10524,7 @@
 </file>
 
 <file path=ppt/slides/slide24.xml><?xml version="1.0" encoding="utf-8"?>
-<p:sld xmlns:a="http://schemas.openxmlformats.org/drawingml/2006/main" xmlns:r="http://schemas.openxmlformats.org/officeDocument/2006/relationships" xmlns:p="http://schemas.openxmlformats.org/presentationml/2006/main">
+<p:sld xmlns:a="http://schemas.openxmlformats.org/drawingml/2006/main" xmlns:r="http://schemas.openxmlformats.org/officeDocument/2006/relationships" xmlns:p="http://schemas.openxmlformats.org/presentationml/2006/main" showMasterSp="0">
   <p:cSld>
     <p:spTree>
       <p:nvGrpSpPr>
@@ -11064,7 +11006,7 @@
 </file>
 
 <file path=ppt/slides/slide25.xml><?xml version="1.0" encoding="utf-8"?>
-<p:sld xmlns:a="http://schemas.openxmlformats.org/drawingml/2006/main" xmlns:r="http://schemas.openxmlformats.org/officeDocument/2006/relationships" xmlns:p="http://schemas.openxmlformats.org/presentationml/2006/main">
+<p:sld xmlns:a="http://schemas.openxmlformats.org/drawingml/2006/main" xmlns:r="http://schemas.openxmlformats.org/officeDocument/2006/relationships" xmlns:p="http://schemas.openxmlformats.org/presentationml/2006/main" showMasterSp="0">
   <p:cSld>
     <p:spTree>
       <p:nvGrpSpPr>
@@ -11806,7 +11748,7 @@
 </file>
 
 <file path=ppt/slides/slide26.xml><?xml version="1.0" encoding="utf-8"?>
-<p:sld xmlns:a="http://schemas.openxmlformats.org/drawingml/2006/main" xmlns:r="http://schemas.openxmlformats.org/officeDocument/2006/relationships" xmlns:p="http://schemas.openxmlformats.org/presentationml/2006/main">
+<p:sld xmlns:a="http://schemas.openxmlformats.org/drawingml/2006/main" xmlns:r="http://schemas.openxmlformats.org/officeDocument/2006/relationships" xmlns:p="http://schemas.openxmlformats.org/presentationml/2006/main" showMasterSp="0">
   <p:cSld>
     <p:spTree>
       <p:nvGrpSpPr>
@@ -11887,7 +11829,7 @@
 </file>
 
 <file path=ppt/slides/slide27.xml><?xml version="1.0" encoding="utf-8"?>
-<p:sld xmlns:a="http://schemas.openxmlformats.org/drawingml/2006/main" xmlns:r="http://schemas.openxmlformats.org/officeDocument/2006/relationships" xmlns:p="http://schemas.openxmlformats.org/presentationml/2006/main">
+<p:sld xmlns:a="http://schemas.openxmlformats.org/drawingml/2006/main" xmlns:r="http://schemas.openxmlformats.org/officeDocument/2006/relationships" xmlns:p="http://schemas.openxmlformats.org/presentationml/2006/main" showMasterSp="0">
   <p:cSld>
     <p:spTree>
       <p:nvGrpSpPr>
@@ -12045,7 +11987,7 @@
 </file>
 
 <file path=ppt/slides/slide28.xml><?xml version="1.0" encoding="utf-8"?>
-<p:sld xmlns:a="http://schemas.openxmlformats.org/drawingml/2006/main" xmlns:r="http://schemas.openxmlformats.org/officeDocument/2006/relationships" xmlns:p="http://schemas.openxmlformats.org/presentationml/2006/main">
+<p:sld xmlns:a="http://schemas.openxmlformats.org/drawingml/2006/main" xmlns:r="http://schemas.openxmlformats.org/officeDocument/2006/relationships" xmlns:p="http://schemas.openxmlformats.org/presentationml/2006/main" showMasterSp="0">
   <p:cSld>
     <p:spTree>
       <p:nvGrpSpPr>
@@ -12558,7 +12500,7 @@
 </file>
 
 <file path=ppt/slides/slide29.xml><?xml version="1.0" encoding="utf-8"?>
-<p:sld xmlns:a="http://schemas.openxmlformats.org/drawingml/2006/main" xmlns:r="http://schemas.openxmlformats.org/officeDocument/2006/relationships" xmlns:p="http://schemas.openxmlformats.org/presentationml/2006/main">
+<p:sld xmlns:a="http://schemas.openxmlformats.org/drawingml/2006/main" xmlns:r="http://schemas.openxmlformats.org/officeDocument/2006/relationships" xmlns:p="http://schemas.openxmlformats.org/presentationml/2006/main" showMasterSp="0">
   <p:cSld>
     <p:spTree>
       <p:nvGrpSpPr>
@@ -12639,7 +12581,7 @@
 </file>
 
 <file path=ppt/slides/slide3.xml><?xml version="1.0" encoding="utf-8"?>
-<p:sld xmlns:a="http://schemas.openxmlformats.org/drawingml/2006/main" xmlns:r="http://schemas.openxmlformats.org/officeDocument/2006/relationships" xmlns:p="http://schemas.openxmlformats.org/presentationml/2006/main">
+<p:sld xmlns:a="http://schemas.openxmlformats.org/drawingml/2006/main" xmlns:r="http://schemas.openxmlformats.org/officeDocument/2006/relationships" xmlns:p="http://schemas.openxmlformats.org/presentationml/2006/main" showMasterSp="0">
   <p:cSld>
     <p:spTree>
       <p:nvGrpSpPr>
@@ -12792,7 +12734,7 @@
 </file>
 
 <file path=ppt/slides/slide30.xml><?xml version="1.0" encoding="utf-8"?>
-<p:sld xmlns:a="http://schemas.openxmlformats.org/drawingml/2006/main" xmlns:r="http://schemas.openxmlformats.org/officeDocument/2006/relationships" xmlns:p="http://schemas.openxmlformats.org/presentationml/2006/main">
+<p:sld xmlns:a="http://schemas.openxmlformats.org/drawingml/2006/main" xmlns:r="http://schemas.openxmlformats.org/officeDocument/2006/relationships" xmlns:p="http://schemas.openxmlformats.org/presentationml/2006/main" showMasterSp="0">
   <p:cSld>
     <p:spTree>
       <p:nvGrpSpPr>
@@ -12881,7 +12823,7 @@
 </file>
 
 <file path=ppt/slides/slide31.xml><?xml version="1.0" encoding="utf-8"?>
-<p:sld xmlns:a="http://schemas.openxmlformats.org/drawingml/2006/main" xmlns:r="http://schemas.openxmlformats.org/officeDocument/2006/relationships" xmlns:p="http://schemas.openxmlformats.org/presentationml/2006/main">
+<p:sld xmlns:a="http://schemas.openxmlformats.org/drawingml/2006/main" xmlns:r="http://schemas.openxmlformats.org/officeDocument/2006/relationships" xmlns:p="http://schemas.openxmlformats.org/presentationml/2006/main" showMasterSp="0">
   <p:cSld>
     <p:spTree>
       <p:nvGrpSpPr>
@@ -13056,7 +12998,7 @@
 </file>
 
 <file path=ppt/slides/slide32.xml><?xml version="1.0" encoding="utf-8"?>
-<p:sld xmlns:a="http://schemas.openxmlformats.org/drawingml/2006/main" xmlns:r="http://schemas.openxmlformats.org/officeDocument/2006/relationships" xmlns:p="http://schemas.openxmlformats.org/presentationml/2006/main">
+<p:sld xmlns:a="http://schemas.openxmlformats.org/drawingml/2006/main" xmlns:r="http://schemas.openxmlformats.org/officeDocument/2006/relationships" xmlns:p="http://schemas.openxmlformats.org/presentationml/2006/main" showMasterSp="0">
   <p:cSld>
     <p:spTree>
       <p:nvGrpSpPr>
@@ -13637,7 +13579,7 @@
 </file>
 
 <file path=ppt/slides/slide33.xml><?xml version="1.0" encoding="utf-8"?>
-<p:sld xmlns:a="http://schemas.openxmlformats.org/drawingml/2006/main" xmlns:r="http://schemas.openxmlformats.org/officeDocument/2006/relationships" xmlns:p="http://schemas.openxmlformats.org/presentationml/2006/main">
+<p:sld xmlns:a="http://schemas.openxmlformats.org/drawingml/2006/main" xmlns:r="http://schemas.openxmlformats.org/officeDocument/2006/relationships" xmlns:p="http://schemas.openxmlformats.org/presentationml/2006/main" showMasterSp="0">
   <p:cSld>
     <p:spTree>
       <p:nvGrpSpPr>
@@ -13943,7 +13885,7 @@
 </file>
 
 <file path=ppt/slides/slide34.xml><?xml version="1.0" encoding="utf-8"?>
-<p:sld xmlns:a="http://schemas.openxmlformats.org/drawingml/2006/main" xmlns:r="http://schemas.openxmlformats.org/officeDocument/2006/relationships" xmlns:p="http://schemas.openxmlformats.org/presentationml/2006/main">
+<p:sld xmlns:a="http://schemas.openxmlformats.org/drawingml/2006/main" xmlns:r="http://schemas.openxmlformats.org/officeDocument/2006/relationships" xmlns:p="http://schemas.openxmlformats.org/presentationml/2006/main" showMasterSp="0">
   <p:cSld>
     <p:spTree>
       <p:nvGrpSpPr>
@@ -14358,7 +14300,7 @@
 </file>
 
 <file path=ppt/slides/slide35.xml><?xml version="1.0" encoding="utf-8"?>
-<p:sld xmlns:a="http://schemas.openxmlformats.org/drawingml/2006/main" xmlns:r="http://schemas.openxmlformats.org/officeDocument/2006/relationships" xmlns:p="http://schemas.openxmlformats.org/presentationml/2006/main">
+<p:sld xmlns:a="http://schemas.openxmlformats.org/drawingml/2006/main" xmlns:r="http://schemas.openxmlformats.org/officeDocument/2006/relationships" xmlns:p="http://schemas.openxmlformats.org/presentationml/2006/main" showMasterSp="0">
   <p:cSld>
     <p:spTree>
       <p:nvGrpSpPr>
@@ -14801,7 +14743,7 @@
 </file>
 
 <file path=ppt/slides/slide36.xml><?xml version="1.0" encoding="utf-8"?>
-<p:sld xmlns:a="http://schemas.openxmlformats.org/drawingml/2006/main" xmlns:r="http://schemas.openxmlformats.org/officeDocument/2006/relationships" xmlns:p="http://schemas.openxmlformats.org/presentationml/2006/main">
+<p:sld xmlns:a="http://schemas.openxmlformats.org/drawingml/2006/main" xmlns:r="http://schemas.openxmlformats.org/officeDocument/2006/relationships" xmlns:p="http://schemas.openxmlformats.org/presentationml/2006/main" showMasterSp="0">
   <p:cSld>
     <p:spTree>
       <p:nvGrpSpPr>
@@ -15252,7 +15194,7 @@
 </file>
 
 <file path=ppt/slides/slide37.xml><?xml version="1.0" encoding="utf-8"?>
-<p:sld xmlns:a="http://schemas.openxmlformats.org/drawingml/2006/main" xmlns:r="http://schemas.openxmlformats.org/officeDocument/2006/relationships" xmlns:p="http://schemas.openxmlformats.org/presentationml/2006/main">
+<p:sld xmlns:a="http://schemas.openxmlformats.org/drawingml/2006/main" xmlns:r="http://schemas.openxmlformats.org/officeDocument/2006/relationships" xmlns:p="http://schemas.openxmlformats.org/presentationml/2006/main" showMasterSp="0">
   <p:cSld>
     <p:spTree>
       <p:nvGrpSpPr>
@@ -15441,7 +15383,7 @@
 </file>
 
 <file path=ppt/slides/slide4.xml><?xml version="1.0" encoding="utf-8"?>
-<p:sld xmlns:a="http://schemas.openxmlformats.org/drawingml/2006/main" xmlns:r="http://schemas.openxmlformats.org/officeDocument/2006/relationships" xmlns:p="http://schemas.openxmlformats.org/presentationml/2006/main">
+<p:sld xmlns:a="http://schemas.openxmlformats.org/drawingml/2006/main" xmlns:r="http://schemas.openxmlformats.org/officeDocument/2006/relationships" xmlns:p="http://schemas.openxmlformats.org/presentationml/2006/main" showMasterSp="0">
   <p:cSld>
     <p:spTree>
       <p:nvGrpSpPr>
@@ -15522,7 +15464,7 @@
 </file>
 
 <file path=ppt/slides/slide5.xml><?xml version="1.0" encoding="utf-8"?>
-<p:sld xmlns:a="http://schemas.openxmlformats.org/drawingml/2006/main" xmlns:r="http://schemas.openxmlformats.org/officeDocument/2006/relationships" xmlns:p="http://schemas.openxmlformats.org/presentationml/2006/main">
+<p:sld xmlns:a="http://schemas.openxmlformats.org/drawingml/2006/main" xmlns:r="http://schemas.openxmlformats.org/officeDocument/2006/relationships" xmlns:p="http://schemas.openxmlformats.org/presentationml/2006/main" showMasterSp="0">
   <p:cSld>
     <p:spTree>
       <p:nvGrpSpPr>
@@ -15770,7 +15712,7 @@
 </file>
 
 <file path=ppt/slides/slide6.xml><?xml version="1.0" encoding="utf-8"?>
-<p:sld xmlns:a="http://schemas.openxmlformats.org/drawingml/2006/main" xmlns:r="http://schemas.openxmlformats.org/officeDocument/2006/relationships" xmlns:p="http://schemas.openxmlformats.org/presentationml/2006/main">
+<p:sld xmlns:a="http://schemas.openxmlformats.org/drawingml/2006/main" xmlns:r="http://schemas.openxmlformats.org/officeDocument/2006/relationships" xmlns:p="http://schemas.openxmlformats.org/presentationml/2006/main" showMasterSp="0">
   <p:cSld>
     <p:spTree>
       <p:nvGrpSpPr>
@@ -16114,35 +16056,6 @@
           </a:p>
         </p:txBody>
       </p:sp>
-      <p:sp>
-        <p:nvSpPr>
-          <p:cNvPr id="3" name="スライド番号プレースホルダー 2">
-            <a:extLst>
-              <a:ext uri="{FF2B5EF4-FFF2-40B4-BE49-F238E27FC236}">
-                <a16:creationId xmlns:a16="http://schemas.microsoft.com/office/drawing/2014/main" id="{2E5BC20F-D9F9-4932-B2DB-599D1E32EB02}"/>
-              </a:ext>
-            </a:extLst>
-          </p:cNvPr>
-          <p:cNvSpPr>
-            <a:spLocks noGrp="1"/>
-          </p:cNvSpPr>
-          <p:nvPr>
-            <p:ph type="sldNum" sz="quarter" idx="12"/>
-          </p:nvPr>
-        </p:nvSpPr>
-        <p:spPr/>
-        <p:txBody>
-          <a:bodyPr/>
-          <a:lstStyle/>
-          <a:p>
-            <a:fld id="{83E4BC44-1CD2-4666-A5F4-A286043144FC}" type="slidenum">
-              <a:rPr kumimoji="1" lang="ja-JP" altLang="en-US" smtClean="0"/>
-              <a:t>6</a:t>
-            </a:fld>
-            <a:endParaRPr kumimoji="1" lang="ja-JP" altLang="en-US"/>
-          </a:p>
-        </p:txBody>
-      </p:sp>
     </p:spTree>
     <p:extLst>
       <p:ext uri="{BB962C8B-B14F-4D97-AF65-F5344CB8AC3E}">
@@ -16157,7 +16070,7 @@
 </file>
 
 <file path=ppt/slides/slide7.xml><?xml version="1.0" encoding="utf-8"?>
-<p:sld xmlns:a="http://schemas.openxmlformats.org/drawingml/2006/main" xmlns:r="http://schemas.openxmlformats.org/officeDocument/2006/relationships" xmlns:p="http://schemas.openxmlformats.org/presentationml/2006/main">
+<p:sld xmlns:a="http://schemas.openxmlformats.org/drawingml/2006/main" xmlns:r="http://schemas.openxmlformats.org/officeDocument/2006/relationships" xmlns:p="http://schemas.openxmlformats.org/presentationml/2006/main" showMasterSp="0">
   <p:cSld>
     <p:spTree>
       <p:nvGrpSpPr>
@@ -16292,35 +16205,6 @@
           </a:p>
         </p:txBody>
       </p:sp>
-      <p:sp>
-        <p:nvSpPr>
-          <p:cNvPr id="3" name="スライド番号プレースホルダー 2">
-            <a:extLst>
-              <a:ext uri="{FF2B5EF4-FFF2-40B4-BE49-F238E27FC236}">
-                <a16:creationId xmlns:a16="http://schemas.microsoft.com/office/drawing/2014/main" id="{D2335DD9-17BF-4A98-B018-749FFE3179D3}"/>
-              </a:ext>
-            </a:extLst>
-          </p:cNvPr>
-          <p:cNvSpPr>
-            <a:spLocks noGrp="1"/>
-          </p:cNvSpPr>
-          <p:nvPr>
-            <p:ph type="sldNum" sz="quarter" idx="12"/>
-          </p:nvPr>
-        </p:nvSpPr>
-        <p:spPr/>
-        <p:txBody>
-          <a:bodyPr/>
-          <a:lstStyle/>
-          <a:p>
-            <a:fld id="{83E4BC44-1CD2-4666-A5F4-A286043144FC}" type="slidenum">
-              <a:rPr kumimoji="1" lang="ja-JP" altLang="en-US" smtClean="0"/>
-              <a:t>7</a:t>
-            </a:fld>
-            <a:endParaRPr kumimoji="1" lang="ja-JP" altLang="en-US"/>
-          </a:p>
-        </p:txBody>
-      </p:sp>
     </p:spTree>
     <p:extLst>
       <p:ext uri="{BB962C8B-B14F-4D97-AF65-F5344CB8AC3E}">
@@ -16335,7 +16219,7 @@
 </file>
 
 <file path=ppt/slides/slide8.xml><?xml version="1.0" encoding="utf-8"?>
-<p:sld xmlns:a="http://schemas.openxmlformats.org/drawingml/2006/main" xmlns:r="http://schemas.openxmlformats.org/officeDocument/2006/relationships" xmlns:p="http://schemas.openxmlformats.org/presentationml/2006/main">
+<p:sld xmlns:a="http://schemas.openxmlformats.org/drawingml/2006/main" xmlns:r="http://schemas.openxmlformats.org/officeDocument/2006/relationships" xmlns:p="http://schemas.openxmlformats.org/presentationml/2006/main" showMasterSp="0">
   <p:cSld>
     <p:spTree>
       <p:nvGrpSpPr>
@@ -16696,35 +16580,6 @@
           </a:p>
         </p:txBody>
       </p:sp>
-      <p:sp>
-        <p:nvSpPr>
-          <p:cNvPr id="3" name="スライド番号プレースホルダー 2">
-            <a:extLst>
-              <a:ext uri="{FF2B5EF4-FFF2-40B4-BE49-F238E27FC236}">
-                <a16:creationId xmlns:a16="http://schemas.microsoft.com/office/drawing/2014/main" id="{0DA67153-B48F-448B-8F4F-7F99D3FAAEA1}"/>
-              </a:ext>
-            </a:extLst>
-          </p:cNvPr>
-          <p:cNvSpPr>
-            <a:spLocks noGrp="1"/>
-          </p:cNvSpPr>
-          <p:nvPr>
-            <p:ph type="sldNum" sz="quarter" idx="12"/>
-          </p:nvPr>
-        </p:nvSpPr>
-        <p:spPr/>
-        <p:txBody>
-          <a:bodyPr/>
-          <a:lstStyle/>
-          <a:p>
-            <a:fld id="{83E4BC44-1CD2-4666-A5F4-A286043144FC}" type="slidenum">
-              <a:rPr kumimoji="1" lang="ja-JP" altLang="en-US" smtClean="0"/>
-              <a:t>8</a:t>
-            </a:fld>
-            <a:endParaRPr kumimoji="1" lang="ja-JP" altLang="en-US"/>
-          </a:p>
-        </p:txBody>
-      </p:sp>
     </p:spTree>
     <p:extLst>
       <p:ext uri="{BB962C8B-B14F-4D97-AF65-F5344CB8AC3E}">
@@ -16739,7 +16594,7 @@
 </file>
 
 <file path=ppt/slides/slide9.xml><?xml version="1.0" encoding="utf-8"?>
-<p:sld xmlns:a="http://schemas.openxmlformats.org/drawingml/2006/main" xmlns:r="http://schemas.openxmlformats.org/officeDocument/2006/relationships" xmlns:p="http://schemas.openxmlformats.org/presentationml/2006/main">
+<p:sld xmlns:a="http://schemas.openxmlformats.org/drawingml/2006/main" xmlns:r="http://schemas.openxmlformats.org/officeDocument/2006/relationships" xmlns:p="http://schemas.openxmlformats.org/presentationml/2006/main" showMasterSp="0">
   <p:cSld>
     <p:spTree>
       <p:nvGrpSpPr>
@@ -17261,35 +17116,6 @@
               </a:rPr>
               <a:t>一部に対して調査を行う</a:t>
             </a:r>
-          </a:p>
-        </p:txBody>
-      </p:sp>
-      <p:sp>
-        <p:nvSpPr>
-          <p:cNvPr id="3" name="スライド番号プレースホルダー 2">
-            <a:extLst>
-              <a:ext uri="{FF2B5EF4-FFF2-40B4-BE49-F238E27FC236}">
-                <a16:creationId xmlns:a16="http://schemas.microsoft.com/office/drawing/2014/main" id="{D7493545-A95B-41E6-BA9C-4737AE7B7E84}"/>
-              </a:ext>
-            </a:extLst>
-          </p:cNvPr>
-          <p:cNvSpPr>
-            <a:spLocks noGrp="1"/>
-          </p:cNvSpPr>
-          <p:nvPr>
-            <p:ph type="sldNum" sz="quarter" idx="12"/>
-          </p:nvPr>
-        </p:nvSpPr>
-        <p:spPr/>
-        <p:txBody>
-          <a:bodyPr/>
-          <a:lstStyle/>
-          <a:p>
-            <a:fld id="{83E4BC44-1CD2-4666-A5F4-A286043144FC}" type="slidenum">
-              <a:rPr kumimoji="1" lang="ja-JP" altLang="en-US" smtClean="0"/>
-              <a:t>9</a:t>
-            </a:fld>
-            <a:endParaRPr kumimoji="1" lang="ja-JP" altLang="en-US"/>
           </a:p>
         </p:txBody>
       </p:sp>

--- a/archive/2022年度　統計学関連/02_ch1_母集団と標本/統計学_ch1.pptx
+++ b/archive/2022年度　統計学関連/02_ch1_母集団と標本/統計学_ch1.pptx
@@ -541,6 +541,90 @@
     </a:lvl9pPr>
   </p:notesStyle>
 </p:notesMaster>
+</file>
+
+<file path=ppt/notesSlides/notesSlide1.xml><?xml version="1.0" encoding="utf-8"?>
+<p:notes xmlns:a="http://schemas.openxmlformats.org/drawingml/2006/main" xmlns:r="http://schemas.openxmlformats.org/officeDocument/2006/relationships" xmlns:p="http://schemas.openxmlformats.org/presentationml/2006/main">
+  <p:cSld>
+    <p:spTree>
+      <p:nvGrpSpPr>
+        <p:cNvPr id="1" name=""/>
+        <p:cNvGrpSpPr/>
+        <p:nvPr/>
+      </p:nvGrpSpPr>
+      <p:grpSpPr>
+        <a:xfrm>
+          <a:off x="0" y="0"/>
+          <a:ext cx="0" cy="0"/>
+          <a:chOff x="0" y="0"/>
+          <a:chExt cx="0" cy="0"/>
+        </a:xfrm>
+      </p:grpSpPr>
+      <p:sp>
+        <p:nvSpPr>
+          <p:cNvPr id="2" name="Slide Image Placeholder 1"/>
+          <p:cNvSpPr>
+            <a:spLocks noGrp="1" noRot="1" noChangeAspect="1"/>
+          </p:cNvSpPr>
+          <p:nvPr>
+            <p:ph type="sldImg"/>
+          </p:nvPr>
+        </p:nvSpPr>
+        <p:spPr/>
+      </p:sp>
+      <p:sp>
+        <p:nvSpPr>
+          <p:cNvPr id="3" name="Notes Placeholder 2"/>
+          <p:cNvSpPr>
+            <a:spLocks noGrp="1"/>
+          </p:cNvSpPr>
+          <p:nvPr>
+            <p:ph type="body" idx="1"/>
+          </p:nvPr>
+        </p:nvSpPr>
+        <p:spPr/>
+        <p:txBody>
+          <a:bodyPr/>
+          <a:lstStyle/>
+          <a:p>
+            <a:endParaRPr lang="en-JP" dirty="0"/>
+          </a:p>
+        </p:txBody>
+      </p:sp>
+      <p:sp>
+        <p:nvSpPr>
+          <p:cNvPr id="4" name="Slide Number Placeholder 3"/>
+          <p:cNvSpPr>
+            <a:spLocks noGrp="1"/>
+          </p:cNvSpPr>
+          <p:nvPr>
+            <p:ph type="sldNum" sz="quarter" idx="5"/>
+          </p:nvPr>
+        </p:nvSpPr>
+        <p:spPr/>
+        <p:txBody>
+          <a:bodyPr/>
+          <a:lstStyle/>
+          <a:p>
+            <a:fld id="{F564EE56-D8FA-46A2-BDA0-45859955D89D}" type="slidenum">
+              <a:rPr kumimoji="1" lang="ja-JP" altLang="en-US" smtClean="0"/>
+              <a:t>33</a:t>
+            </a:fld>
+            <a:endParaRPr kumimoji="1" lang="ja-JP" altLang="en-US"/>
+          </a:p>
+        </p:txBody>
+      </p:sp>
+    </p:spTree>
+    <p:extLst>
+      <p:ext uri="{BB962C8B-B14F-4D97-AF65-F5344CB8AC3E}">
+        <p14:creationId xmlns:p14="http://schemas.microsoft.com/office/powerpoint/2010/main" val="2901144667"/>
+      </p:ext>
+    </p:extLst>
+  </p:cSld>
+  <p:clrMapOvr>
+    <a:masterClrMapping/>
+  </p:clrMapOvr>
+</p:notes>
 </file>
 
 <file path=ppt/slideLayouts/slideLayout1.xml><?xml version="1.0" encoding="utf-8"?>
@@ -7011,35 +7095,6 @@
           </a:p>
         </p:txBody>
       </p:sp>
-      <p:sp>
-        <p:nvSpPr>
-          <p:cNvPr id="4" name="スライド番号プレースホルダー 3">
-            <a:extLst>
-              <a:ext uri="{FF2B5EF4-FFF2-40B4-BE49-F238E27FC236}">
-                <a16:creationId xmlns:a16="http://schemas.microsoft.com/office/drawing/2014/main" id="{960AFC4A-9AFA-4891-8BC7-E24B92BF0EF5}"/>
-              </a:ext>
-            </a:extLst>
-          </p:cNvPr>
-          <p:cNvSpPr>
-            <a:spLocks noGrp="1"/>
-          </p:cNvSpPr>
-          <p:nvPr>
-            <p:ph type="sldNum" sz="quarter" idx="12"/>
-          </p:nvPr>
-        </p:nvSpPr>
-        <p:spPr/>
-        <p:txBody>
-          <a:bodyPr/>
-          <a:lstStyle/>
-          <a:p>
-            <a:fld id="{83E4BC44-1CD2-4666-A5F4-A286043144FC}" type="slidenum">
-              <a:rPr kumimoji="1" lang="ja-JP" altLang="en-US" smtClean="0"/>
-              <a:t>17</a:t>
-            </a:fld>
-            <a:endParaRPr kumimoji="1" lang="ja-JP" altLang="en-US"/>
-          </a:p>
-        </p:txBody>
-      </p:sp>
     </p:spTree>
     <p:extLst>
       <p:ext uri="{BB962C8B-B14F-4D97-AF65-F5344CB8AC3E}">
@@ -7815,35 +7870,6 @@
           </a:p>
         </p:txBody>
       </p:sp>
-      <p:sp>
-        <p:nvSpPr>
-          <p:cNvPr id="4" name="スライド番号プレースホルダー 3">
-            <a:extLst>
-              <a:ext uri="{FF2B5EF4-FFF2-40B4-BE49-F238E27FC236}">
-                <a16:creationId xmlns:a16="http://schemas.microsoft.com/office/drawing/2014/main" id="{5195A4CD-86C8-4FED-A843-77EC01231577}"/>
-              </a:ext>
-            </a:extLst>
-          </p:cNvPr>
-          <p:cNvSpPr>
-            <a:spLocks noGrp="1"/>
-          </p:cNvSpPr>
-          <p:nvPr>
-            <p:ph type="sldNum" sz="quarter" idx="12"/>
-          </p:nvPr>
-        </p:nvSpPr>
-        <p:spPr/>
-        <p:txBody>
-          <a:bodyPr/>
-          <a:lstStyle/>
-          <a:p>
-            <a:fld id="{83E4BC44-1CD2-4666-A5F4-A286043144FC}" type="slidenum">
-              <a:rPr kumimoji="1" lang="ja-JP" altLang="en-US" smtClean="0"/>
-              <a:t>18</a:t>
-            </a:fld>
-            <a:endParaRPr kumimoji="1" lang="ja-JP" altLang="en-US"/>
-          </a:p>
-        </p:txBody>
-      </p:sp>
     </p:spTree>
     <p:extLst>
       <p:ext uri="{BB962C8B-B14F-4D97-AF65-F5344CB8AC3E}">
@@ -8401,35 +8427,6 @@
           </a:p>
         </p:txBody>
       </p:sp>
-      <p:sp>
-        <p:nvSpPr>
-          <p:cNvPr id="4" name="スライド番号プレースホルダー 3">
-            <a:extLst>
-              <a:ext uri="{FF2B5EF4-FFF2-40B4-BE49-F238E27FC236}">
-                <a16:creationId xmlns:a16="http://schemas.microsoft.com/office/drawing/2014/main" id="{8007E4EE-3AA6-4495-8F67-412457B5D967}"/>
-              </a:ext>
-            </a:extLst>
-          </p:cNvPr>
-          <p:cNvSpPr>
-            <a:spLocks noGrp="1"/>
-          </p:cNvSpPr>
-          <p:nvPr>
-            <p:ph type="sldNum" sz="quarter" idx="12"/>
-          </p:nvPr>
-        </p:nvSpPr>
-        <p:spPr/>
-        <p:txBody>
-          <a:bodyPr/>
-          <a:lstStyle/>
-          <a:p>
-            <a:fld id="{83E4BC44-1CD2-4666-A5F4-A286043144FC}" type="slidenum">
-              <a:rPr kumimoji="1" lang="ja-JP" altLang="en-US" smtClean="0"/>
-              <a:t>19</a:t>
-            </a:fld>
-            <a:endParaRPr kumimoji="1" lang="ja-JP" altLang="en-US"/>
-          </a:p>
-        </p:txBody>
-      </p:sp>
     </p:spTree>
     <p:extLst>
       <p:ext uri="{BB962C8B-B14F-4D97-AF65-F5344CB8AC3E}">
@@ -8998,35 +8995,6 @@
           </a:p>
         </p:txBody>
       </p:sp>
-      <p:sp>
-        <p:nvSpPr>
-          <p:cNvPr id="4" name="スライド番号プレースホルダー 3">
-            <a:extLst>
-              <a:ext uri="{FF2B5EF4-FFF2-40B4-BE49-F238E27FC236}">
-                <a16:creationId xmlns:a16="http://schemas.microsoft.com/office/drawing/2014/main" id="{068B4B7B-F68C-4B01-AF0E-1A3B86849689}"/>
-              </a:ext>
-            </a:extLst>
-          </p:cNvPr>
-          <p:cNvSpPr>
-            <a:spLocks noGrp="1"/>
-          </p:cNvSpPr>
-          <p:nvPr>
-            <p:ph type="sldNum" sz="quarter" idx="12"/>
-          </p:nvPr>
-        </p:nvSpPr>
-        <p:spPr/>
-        <p:txBody>
-          <a:bodyPr/>
-          <a:lstStyle/>
-          <a:p>
-            <a:fld id="{83E4BC44-1CD2-4666-A5F4-A286043144FC}" type="slidenum">
-              <a:rPr kumimoji="1" lang="ja-JP" altLang="en-US" smtClean="0"/>
-              <a:t>20</a:t>
-            </a:fld>
-            <a:endParaRPr kumimoji="1" lang="ja-JP" altLang="en-US"/>
-          </a:p>
-        </p:txBody>
-      </p:sp>
     </p:spTree>
     <p:extLst>
       <p:ext uri="{BB962C8B-B14F-4D97-AF65-F5344CB8AC3E}">
@@ -9725,35 +9693,6 @@
           </a:p>
         </p:txBody>
       </p:sp>
-      <p:sp>
-        <p:nvSpPr>
-          <p:cNvPr id="4" name="スライド番号プレースホルダー 3">
-            <a:extLst>
-              <a:ext uri="{FF2B5EF4-FFF2-40B4-BE49-F238E27FC236}">
-                <a16:creationId xmlns:a16="http://schemas.microsoft.com/office/drawing/2014/main" id="{47BED66E-1988-42FD-8705-6DBA9A5B8513}"/>
-              </a:ext>
-            </a:extLst>
-          </p:cNvPr>
-          <p:cNvSpPr>
-            <a:spLocks noGrp="1"/>
-          </p:cNvSpPr>
-          <p:nvPr>
-            <p:ph type="sldNum" sz="quarter" idx="12"/>
-          </p:nvPr>
-        </p:nvSpPr>
-        <p:spPr/>
-        <p:txBody>
-          <a:bodyPr/>
-          <a:lstStyle/>
-          <a:p>
-            <a:fld id="{83E4BC44-1CD2-4666-A5F4-A286043144FC}" type="slidenum">
-              <a:rPr kumimoji="1" lang="ja-JP" altLang="en-US" smtClean="0"/>
-              <a:t>21</a:t>
-            </a:fld>
-            <a:endParaRPr kumimoji="1" lang="ja-JP" altLang="en-US"/>
-          </a:p>
-        </p:txBody>
-      </p:sp>
     </p:spTree>
     <p:extLst>
       <p:ext uri="{BB962C8B-B14F-4D97-AF65-F5344CB8AC3E}">
@@ -10347,35 +10286,6 @@
       </p:sp>
       <p:sp>
         <p:nvSpPr>
-          <p:cNvPr id="4" name="スライド番号プレースホルダー 3">
-            <a:extLst>
-              <a:ext uri="{FF2B5EF4-FFF2-40B4-BE49-F238E27FC236}">
-                <a16:creationId xmlns:a16="http://schemas.microsoft.com/office/drawing/2014/main" id="{A6DAB5EE-E707-4D58-8BC5-DFA0AD5F3C0D}"/>
-              </a:ext>
-            </a:extLst>
-          </p:cNvPr>
-          <p:cNvSpPr>
-            <a:spLocks noGrp="1"/>
-          </p:cNvSpPr>
-          <p:nvPr>
-            <p:ph type="sldNum" sz="quarter" idx="12"/>
-          </p:nvPr>
-        </p:nvSpPr>
-        <p:spPr/>
-        <p:txBody>
-          <a:bodyPr/>
-          <a:lstStyle/>
-          <a:p>
-            <a:fld id="{83E4BC44-1CD2-4666-A5F4-A286043144FC}" type="slidenum">
-              <a:rPr kumimoji="1" lang="ja-JP" altLang="en-US" smtClean="0"/>
-              <a:t>22</a:t>
-            </a:fld>
-            <a:endParaRPr kumimoji="1" lang="ja-JP" altLang="en-US"/>
-          </a:p>
-        </p:txBody>
-      </p:sp>
-      <p:sp>
-        <p:nvSpPr>
           <p:cNvPr id="7" name="角丸四角形吹き出し 8">
             <a:extLst>
               <a:ext uri="{FF2B5EF4-FFF2-40B4-BE49-F238E27FC236}">
@@ -10540,28 +10450,6 @@
           <a:chExt cx="0" cy="0"/>
         </a:xfrm>
       </p:grpSpPr>
-      <p:sp>
-        <p:nvSpPr>
-          <p:cNvPr id="2" name="タイトル 1"/>
-          <p:cNvSpPr>
-            <a:spLocks noGrp="1"/>
-          </p:cNvSpPr>
-          <p:nvPr>
-            <p:ph type="title"/>
-          </p:nvPr>
-        </p:nvSpPr>
-        <p:spPr/>
-        <p:txBody>
-          <a:bodyPr/>
-          <a:lstStyle/>
-          <a:p>
-            <a:r>
-              <a:rPr kumimoji="1" lang="ja-JP" altLang="en-US" dirty="0"/>
-              <a:t>母集団と標本</a:t>
-            </a:r>
-          </a:p>
-        </p:txBody>
-      </p:sp>
       <p:sp>
         <p:nvSpPr>
           <p:cNvPr id="10" name="右矢印 9"/>
@@ -10963,35 +10851,6 @@
           </a:p>
         </p:txBody>
       </p:sp>
-      <p:sp>
-        <p:nvSpPr>
-          <p:cNvPr id="3" name="スライド番号プレースホルダー 2">
-            <a:extLst>
-              <a:ext uri="{FF2B5EF4-FFF2-40B4-BE49-F238E27FC236}">
-                <a16:creationId xmlns:a16="http://schemas.microsoft.com/office/drawing/2014/main" id="{F18DD941-5BB3-40ED-BB14-17BD89A19362}"/>
-              </a:ext>
-            </a:extLst>
-          </p:cNvPr>
-          <p:cNvSpPr>
-            <a:spLocks noGrp="1"/>
-          </p:cNvSpPr>
-          <p:nvPr>
-            <p:ph type="sldNum" sz="quarter" idx="12"/>
-          </p:nvPr>
-        </p:nvSpPr>
-        <p:spPr/>
-        <p:txBody>
-          <a:bodyPr/>
-          <a:lstStyle/>
-          <a:p>
-            <a:fld id="{83E4BC44-1CD2-4666-A5F4-A286043144FC}" type="slidenum">
-              <a:rPr kumimoji="1" lang="ja-JP" altLang="en-US" smtClean="0"/>
-              <a:t>24</a:t>
-            </a:fld>
-            <a:endParaRPr kumimoji="1" lang="ja-JP" altLang="en-US"/>
-          </a:p>
-        </p:txBody>
-      </p:sp>
     </p:spTree>
     <p:extLst>
       <p:ext uri="{BB962C8B-B14F-4D97-AF65-F5344CB8AC3E}">
@@ -11022,28 +10881,6 @@
           <a:chExt cx="0" cy="0"/>
         </a:xfrm>
       </p:grpSpPr>
-      <p:sp>
-        <p:nvSpPr>
-          <p:cNvPr id="2" name="タイトル 1"/>
-          <p:cNvSpPr>
-            <a:spLocks noGrp="1"/>
-          </p:cNvSpPr>
-          <p:nvPr>
-            <p:ph type="title"/>
-          </p:nvPr>
-        </p:nvSpPr>
-        <p:spPr/>
-        <p:txBody>
-          <a:bodyPr/>
-          <a:lstStyle/>
-          <a:p>
-            <a:r>
-              <a:rPr kumimoji="1" lang="ja-JP" altLang="en-US" dirty="0"/>
-              <a:t>母集団と標本</a:t>
-            </a:r>
-          </a:p>
-        </p:txBody>
-      </p:sp>
       <p:sp>
         <p:nvSpPr>
           <p:cNvPr id="10" name="右矢印 9"/>
@@ -11570,35 +11407,6 @@
               <a:ea typeface="メイリオ" panose="020B0604030504040204" pitchFamily="50" charset="-128"/>
               <a:cs typeface="メイリオ" panose="020B0604030504040204" pitchFamily="50" charset="-128"/>
             </a:endParaRPr>
-          </a:p>
-        </p:txBody>
-      </p:sp>
-      <p:sp>
-        <p:nvSpPr>
-          <p:cNvPr id="3" name="スライド番号プレースホルダー 2">
-            <a:extLst>
-              <a:ext uri="{FF2B5EF4-FFF2-40B4-BE49-F238E27FC236}">
-                <a16:creationId xmlns:a16="http://schemas.microsoft.com/office/drawing/2014/main" id="{9CD6957A-F3D6-4158-8F0C-D4A3A3CE705F}"/>
-              </a:ext>
-            </a:extLst>
-          </p:cNvPr>
-          <p:cNvSpPr>
-            <a:spLocks noGrp="1"/>
-          </p:cNvSpPr>
-          <p:nvPr>
-            <p:ph type="sldNum" sz="quarter" idx="12"/>
-          </p:nvPr>
-        </p:nvSpPr>
-        <p:spPr/>
-        <p:txBody>
-          <a:bodyPr/>
-          <a:lstStyle/>
-          <a:p>
-            <a:fld id="{83E4BC44-1CD2-4666-A5F4-A286043144FC}" type="slidenum">
-              <a:rPr kumimoji="1" lang="ja-JP" altLang="en-US" smtClean="0"/>
-              <a:t>25</a:t>
-            </a:fld>
-            <a:endParaRPr kumimoji="1" lang="ja-JP" altLang="en-US"/>
           </a:p>
         </p:txBody>
       </p:sp>
@@ -13842,35 +13650,6 @@
           </a:p>
         </p:txBody>
       </p:sp>
-      <p:sp>
-        <p:nvSpPr>
-          <p:cNvPr id="4" name="スライド番号プレースホルダー 3">
-            <a:extLst>
-              <a:ext uri="{FF2B5EF4-FFF2-40B4-BE49-F238E27FC236}">
-                <a16:creationId xmlns:a16="http://schemas.microsoft.com/office/drawing/2014/main" id="{BD30EAD3-199E-43AB-B8F1-3F8ACC16F01A}"/>
-              </a:ext>
-            </a:extLst>
-          </p:cNvPr>
-          <p:cNvSpPr>
-            <a:spLocks noGrp="1"/>
-          </p:cNvSpPr>
-          <p:nvPr>
-            <p:ph type="sldNum" sz="quarter" idx="12"/>
-          </p:nvPr>
-        </p:nvSpPr>
-        <p:spPr/>
-        <p:txBody>
-          <a:bodyPr/>
-          <a:lstStyle/>
-          <a:p>
-            <a:fld id="{83E4BC44-1CD2-4666-A5F4-A286043144FC}" type="slidenum">
-              <a:rPr kumimoji="1" lang="ja-JP" altLang="en-US" smtClean="0"/>
-              <a:t>33</a:t>
-            </a:fld>
-            <a:endParaRPr kumimoji="1" lang="ja-JP" altLang="en-US"/>
-          </a:p>
-        </p:txBody>
-      </p:sp>
     </p:spTree>
     <p:extLst>
       <p:ext uri="{BB962C8B-B14F-4D97-AF65-F5344CB8AC3E}">
@@ -14257,35 +14036,6 @@
           </a:p>
         </p:txBody>
       </p:sp>
-      <p:sp>
-        <p:nvSpPr>
-          <p:cNvPr id="4" name="スライド番号プレースホルダー 3">
-            <a:extLst>
-              <a:ext uri="{FF2B5EF4-FFF2-40B4-BE49-F238E27FC236}">
-                <a16:creationId xmlns:a16="http://schemas.microsoft.com/office/drawing/2014/main" id="{6B279859-A107-476C-B7C4-16173AD285F4}"/>
-              </a:ext>
-            </a:extLst>
-          </p:cNvPr>
-          <p:cNvSpPr>
-            <a:spLocks noGrp="1"/>
-          </p:cNvSpPr>
-          <p:nvPr>
-            <p:ph type="sldNum" sz="quarter" idx="12"/>
-          </p:nvPr>
-        </p:nvSpPr>
-        <p:spPr/>
-        <p:txBody>
-          <a:bodyPr/>
-          <a:lstStyle/>
-          <a:p>
-            <a:fld id="{83E4BC44-1CD2-4666-A5F4-A286043144FC}" type="slidenum">
-              <a:rPr kumimoji="1" lang="ja-JP" altLang="en-US" smtClean="0"/>
-              <a:t>34</a:t>
-            </a:fld>
-            <a:endParaRPr kumimoji="1" lang="ja-JP" altLang="en-US"/>
-          </a:p>
-        </p:txBody>
-      </p:sp>
     </p:spTree>
     <p:extLst>
       <p:ext uri="{BB962C8B-B14F-4D97-AF65-F5344CB8AC3E}">
@@ -14700,35 +14450,6 @@
           </a:p>
         </p:txBody>
       </p:sp>
-      <p:sp>
-        <p:nvSpPr>
-          <p:cNvPr id="4" name="スライド番号プレースホルダー 3">
-            <a:extLst>
-              <a:ext uri="{FF2B5EF4-FFF2-40B4-BE49-F238E27FC236}">
-                <a16:creationId xmlns:a16="http://schemas.microsoft.com/office/drawing/2014/main" id="{B5081507-304E-413C-A7B6-75FBFCCCD073}"/>
-              </a:ext>
-            </a:extLst>
-          </p:cNvPr>
-          <p:cNvSpPr>
-            <a:spLocks noGrp="1"/>
-          </p:cNvSpPr>
-          <p:nvPr>
-            <p:ph type="sldNum" sz="quarter" idx="12"/>
-          </p:nvPr>
-        </p:nvSpPr>
-        <p:spPr/>
-        <p:txBody>
-          <a:bodyPr/>
-          <a:lstStyle/>
-          <a:p>
-            <a:fld id="{83E4BC44-1CD2-4666-A5F4-A286043144FC}" type="slidenum">
-              <a:rPr kumimoji="1" lang="ja-JP" altLang="en-US" smtClean="0"/>
-              <a:t>35</a:t>
-            </a:fld>
-            <a:endParaRPr kumimoji="1" lang="ja-JP" altLang="en-US"/>
-          </a:p>
-        </p:txBody>
-      </p:sp>
     </p:spTree>
     <p:extLst>
       <p:ext uri="{BB962C8B-B14F-4D97-AF65-F5344CB8AC3E}">
@@ -15151,35 +14872,6 @@
           </a:p>
         </p:txBody>
       </p:sp>
-      <p:sp>
-        <p:nvSpPr>
-          <p:cNvPr id="4" name="スライド番号プレースホルダー 3">
-            <a:extLst>
-              <a:ext uri="{FF2B5EF4-FFF2-40B4-BE49-F238E27FC236}">
-                <a16:creationId xmlns:a16="http://schemas.microsoft.com/office/drawing/2014/main" id="{5D21C05A-584D-45EB-87C6-67AB3B5F8ADC}"/>
-              </a:ext>
-            </a:extLst>
-          </p:cNvPr>
-          <p:cNvSpPr>
-            <a:spLocks noGrp="1"/>
-          </p:cNvSpPr>
-          <p:nvPr>
-            <p:ph type="sldNum" sz="quarter" idx="12"/>
-          </p:nvPr>
-        </p:nvSpPr>
-        <p:spPr/>
-        <p:txBody>
-          <a:bodyPr/>
-          <a:lstStyle/>
-          <a:p>
-            <a:fld id="{83E4BC44-1CD2-4666-A5F4-A286043144FC}" type="slidenum">
-              <a:rPr kumimoji="1" lang="ja-JP" altLang="en-US" smtClean="0"/>
-              <a:t>36</a:t>
-            </a:fld>
-            <a:endParaRPr kumimoji="1" lang="ja-JP" altLang="en-US"/>
-          </a:p>
-        </p:txBody>
-      </p:sp>
     </p:spTree>
     <p:extLst>
       <p:ext uri="{BB962C8B-B14F-4D97-AF65-F5344CB8AC3E}">
@@ -15337,35 +15029,6 @@
               <a:rPr kumimoji="1" lang="ja-JP" altLang="en-US" sz="2400" dirty="0"/>
               <a:t>無作為抽出（ランダムに選ぶ）でなければならない</a:t>
             </a:r>
-          </a:p>
-        </p:txBody>
-      </p:sp>
-      <p:sp>
-        <p:nvSpPr>
-          <p:cNvPr id="3" name="スライド番号プレースホルダー 2">
-            <a:extLst>
-              <a:ext uri="{FF2B5EF4-FFF2-40B4-BE49-F238E27FC236}">
-                <a16:creationId xmlns:a16="http://schemas.microsoft.com/office/drawing/2014/main" id="{AE524CFC-5978-4F54-AEA3-680CBE4D378E}"/>
-              </a:ext>
-            </a:extLst>
-          </p:cNvPr>
-          <p:cNvSpPr>
-            <a:spLocks noGrp="1"/>
-          </p:cNvSpPr>
-          <p:nvPr>
-            <p:ph type="sldNum" sz="quarter" idx="12"/>
-          </p:nvPr>
-        </p:nvSpPr>
-        <p:spPr/>
-        <p:txBody>
-          <a:bodyPr/>
-          <a:lstStyle/>
-          <a:p>
-            <a:fld id="{83E4BC44-1CD2-4666-A5F4-A286043144FC}" type="slidenum">
-              <a:rPr kumimoji="1" lang="ja-JP" altLang="en-US" smtClean="0"/>
-              <a:t>37</a:t>
-            </a:fld>
-            <a:endParaRPr kumimoji="1" lang="ja-JP" altLang="en-US"/>
           </a:p>
         </p:txBody>
       </p:sp>
